--- a/notebooks/Design-of-Experiments/Design_of_experiments-Overview.pptx
+++ b/notebooks/Design-of-Experiments/Design_of_experiments-Overview.pptx
@@ -25,7 +25,7 @@
     <p:sldId id="390" r:id="rId13"/>
     <p:sldId id="391" r:id="rId14"/>
     <p:sldId id="385" r:id="rId15"/>
-    <p:sldId id="357" r:id="rId16"/>
+    <p:sldId id="271" r:id="rId16"/>
     <p:sldId id="392" r:id="rId17"/>
     <p:sldId id="383" r:id="rId18"/>
     <p:sldId id="384" r:id="rId19"/>
@@ -300,7 +300,7 @@
               <a:pPr>
                 <a:defRPr/>
               </a:pPr>
-              <a:t>7/15/21</a:t>
+              <a:t>7/16/21</a:t>
             </a:fld>
             <a:endParaRPr lang="en-US" altLang="x-none"/>
           </a:p>
@@ -509,7 +509,7 @@
               <a:pPr>
                 <a:defRPr/>
               </a:pPr>
-              <a:t>7/15/21</a:t>
+              <a:t>7/16/21</a:t>
             </a:fld>
             <a:endParaRPr lang="en-US" altLang="x-none"/>
           </a:p>
@@ -1009,11 +1009,11 @@
 </file>
 
 <file path=ppt/notesSlides/notesSlide10.xml><?xml version="1.0" encoding="utf-8"?>
-<p:notes xmlns:a="http://schemas.openxmlformats.org/drawingml/2006/main" xmlns:r="http://schemas.openxmlformats.org/officeDocument/2006/relationships" xmlns:p="http://schemas.openxmlformats.org/presentationml/2006/main">
+<p:notes xmlns:a="http://schemas.openxmlformats.org/drawingml/2006/main" xmlns:r="http://schemas.openxmlformats.org/officeDocument/2006/relationships" xmlns:p="http://schemas.openxmlformats.org/presentationml/2006/main" showMasterSp="0" showMasterPhAnim="0">
   <p:cSld>
     <p:spTree>
       <p:nvGrpSpPr>
-        <p:cNvPr id="1" name=""/>
+        <p:cNvPr id="1" name="Shape 273"/>
         <p:cNvGrpSpPr/>
         <p:nvPr/>
       </p:nvGrpSpPr>
@@ -1027,73 +1027,148 @@
       </p:grpSpPr>
       <p:sp>
         <p:nvSpPr>
-          <p:cNvPr id="2" name="Slide Image Placeholder 1"/>
+          <p:cNvPr id="274" name="Google Shape;274;p15:notes"/>
           <p:cNvSpPr>
             <a:spLocks noGrp="1" noRot="1" noChangeAspect="1"/>
           </p:cNvSpPr>
           <p:nvPr>
-            <p:ph type="sldImg"/>
+            <p:ph type="sldImg" idx="2"/>
           </p:nvPr>
         </p:nvSpPr>
-        <p:spPr/>
+        <p:spPr>
+          <a:xfrm>
+            <a:off x="1143000" y="685800"/>
+            <a:ext cx="4572000" cy="3429000"/>
+          </a:xfrm>
+          <a:custGeom>
+            <a:avLst/>
+            <a:gdLst/>
+            <a:ahLst/>
+            <a:cxnLst/>
+            <a:rect l="l" t="t" r="r" b="b"/>
+            <a:pathLst>
+              <a:path w="120000" h="120000" extrusionOk="0">
+                <a:moveTo>
+                  <a:pt x="0" y="0"/>
+                </a:moveTo>
+                <a:lnTo>
+                  <a:pt x="120000" y="0"/>
+                </a:lnTo>
+                <a:lnTo>
+                  <a:pt x="120000" y="120000"/>
+                </a:lnTo>
+                <a:lnTo>
+                  <a:pt x="0" y="120000"/>
+                </a:lnTo>
+                <a:close/>
+              </a:path>
+            </a:pathLst>
+          </a:custGeom>
+          <a:noFill/>
+          <a:ln w="12700" cap="flat" cmpd="sng">
+            <a:solidFill>
+              <a:srgbClr val="000000"/>
+            </a:solidFill>
+            <a:prstDash val="solid"/>
+            <a:round/>
+            <a:headEnd type="none" w="sm" len="sm"/>
+            <a:tailEnd type="none" w="sm" len="sm"/>
+          </a:ln>
+        </p:spPr>
       </p:sp>
       <p:sp>
         <p:nvSpPr>
-          <p:cNvPr id="3" name="Notes Placeholder 2"/>
-          <p:cNvSpPr>
+          <p:cNvPr id="275" name="Google Shape;275;p15:notes"/>
+          <p:cNvSpPr txBox="1">
             <a:spLocks noGrp="1"/>
           </p:cNvSpPr>
           <p:nvPr>
             <p:ph type="body" idx="1"/>
           </p:nvPr>
         </p:nvSpPr>
-        <p:spPr/>
+        <p:spPr>
+          <a:xfrm>
+            <a:off x="685800" y="4343400"/>
+            <a:ext cx="5486400" cy="4114800"/>
+          </a:xfrm>
+          <a:prstGeom prst="rect">
+            <a:avLst/>
+          </a:prstGeom>
+          <a:noFill/>
+          <a:ln>
+            <a:noFill/>
+          </a:ln>
+        </p:spPr>
         <p:txBody>
-          <a:bodyPr/>
+          <a:bodyPr spcFirstLastPara="1" wrap="square" lIns="91425" tIns="45700" rIns="91425" bIns="45700" anchor="t" anchorCtr="0">
+            <a:noAutofit/>
+          </a:bodyPr>
           <a:lstStyle/>
           <a:p>
+            <a:pPr marL="0" lvl="0" indent="0" algn="l" rtl="0">
+              <a:spcBef>
+                <a:spcPts val="0"/>
+              </a:spcBef>
+              <a:spcAft>
+                <a:spcPts val="0"/>
+              </a:spcAft>
+              <a:buNone/>
+            </a:pPr>
             <a:r>
-              <a:rPr lang="en-US" dirty="0"/>
+              <a:rPr lang="en-US"/>
               <a:t>More common to have 50 or so parameters.</a:t>
             </a:r>
+            <a:endParaRPr/>
           </a:p>
         </p:txBody>
       </p:sp>
       <p:sp>
         <p:nvSpPr>
-          <p:cNvPr id="4" name="Slide Number Placeholder 3"/>
-          <p:cNvSpPr>
+          <p:cNvPr id="276" name="Google Shape;276;p15:notes"/>
+          <p:cNvSpPr txBox="1">
             <a:spLocks noGrp="1"/>
           </p:cNvSpPr>
           <p:nvPr>
-            <p:ph type="sldNum" sz="quarter" idx="5"/>
+            <p:ph type="sldNum" idx="12"/>
           </p:nvPr>
         </p:nvSpPr>
-        <p:spPr/>
+        <p:spPr>
+          <a:xfrm>
+            <a:off x="3884613" y="8685213"/>
+            <a:ext cx="2971800" cy="457200"/>
+          </a:xfrm>
+          <a:prstGeom prst="rect">
+            <a:avLst/>
+          </a:prstGeom>
+          <a:noFill/>
+          <a:ln>
+            <a:noFill/>
+          </a:ln>
+        </p:spPr>
         <p:txBody>
-          <a:bodyPr/>
+          <a:bodyPr spcFirstLastPara="1" wrap="square" lIns="91425" tIns="45700" rIns="91425" bIns="45700" anchor="b" anchorCtr="0">
+            <a:noAutofit/>
+          </a:bodyPr>
           <a:lstStyle/>
           <a:p>
-            <a:pPr>
-              <a:defRPr/>
+            <a:pPr marL="0" lvl="0" indent="0" algn="r" rtl="0">
+              <a:spcBef>
+                <a:spcPts val="0"/>
+              </a:spcBef>
+              <a:spcAft>
+                <a:spcPts val="0"/>
+              </a:spcAft>
+              <a:buNone/>
             </a:pPr>
-            <a:fld id="{1E3608CA-DBCA-4E8F-8DAB-6E1AFAF19782}" type="slidenum">
-              <a:rPr lang="en-US" altLang="x-none" smtClean="0"/>
-              <a:pPr>
-                <a:defRPr/>
-              </a:pPr>
+            <a:fld id="{00000000-1234-1234-1234-123412341234}" type="slidenum">
+              <a:rPr lang="en-US"/>
               <a:t>15</a:t>
             </a:fld>
-            <a:endParaRPr lang="en-US" altLang="x-none"/>
+            <a:endParaRPr/>
           </a:p>
         </p:txBody>
       </p:sp>
     </p:spTree>
-    <p:extLst>
-      <p:ext uri="{BB962C8B-B14F-4D97-AF65-F5344CB8AC3E}">
-        <p14:creationId xmlns:p14="http://schemas.microsoft.com/office/powerpoint/2010/main" val="1456669463"/>
-      </p:ext>
-    </p:extLst>
   </p:cSld>
   <p:clrMapOvr>
     <a:masterClrMapping/>
@@ -11345,8 +11420,8 @@
           </a:p>
         </p:txBody>
       </p:sp>
-      <mc:AlternateContent xmlns:mc="http://schemas.openxmlformats.org/markup-compatibility/2006">
-        <mc:Choice xmlns:a14="http://schemas.microsoft.com/office/drawing/2010/main" Requires="a14">
+      <mc:AlternateContent xmlns:mc="http://schemas.openxmlformats.org/markup-compatibility/2006" xmlns:a14="http://schemas.microsoft.com/office/drawing/2010/main">
+        <mc:Choice Requires="a14">
           <p:sp>
             <p:nvSpPr>
               <p:cNvPr id="7" name="TextBox 6">
@@ -11457,7 +11532,7 @@
             </p:txBody>
           </p:sp>
         </mc:Choice>
-        <mc:Fallback>
+        <mc:Fallback xmlns="">
           <p:sp>
             <p:nvSpPr>
               <p:cNvPr id="7" name="TextBox 6">
@@ -11561,8 +11636,8 @@
           </a:p>
         </p:txBody>
       </p:sp>
-      <mc:AlternateContent xmlns:mc="http://schemas.openxmlformats.org/markup-compatibility/2006">
-        <mc:Choice xmlns:a14="http://schemas.microsoft.com/office/drawing/2010/main" Requires="a14">
+      <mc:AlternateContent xmlns:mc="http://schemas.openxmlformats.org/markup-compatibility/2006" xmlns:a14="http://schemas.microsoft.com/office/drawing/2010/main">
+        <mc:Choice Requires="a14">
           <p:sp>
             <p:nvSpPr>
               <p:cNvPr id="22" name="TextBox 21">
@@ -11971,7 +12046,7 @@
             </p:txBody>
           </p:sp>
         </mc:Choice>
-        <mc:Fallback>
+        <mc:Fallback xmlns="">
           <p:sp>
             <p:nvSpPr>
               <p:cNvPr id="22" name="TextBox 21">
@@ -12019,8 +12094,8 @@
           </p:sp>
         </mc:Fallback>
       </mc:AlternateContent>
-      <mc:AlternateContent xmlns:mc="http://schemas.openxmlformats.org/markup-compatibility/2006">
-        <mc:Choice xmlns:a14="http://schemas.microsoft.com/office/drawing/2010/main" Requires="a14">
+      <mc:AlternateContent xmlns:mc="http://schemas.openxmlformats.org/markup-compatibility/2006" xmlns:a14="http://schemas.microsoft.com/office/drawing/2010/main">
+        <mc:Choice Requires="a14">
           <p:sp>
             <p:nvSpPr>
               <p:cNvPr id="30" name="TextBox 29">
@@ -12148,7 +12223,7 @@
             </p:txBody>
           </p:sp>
         </mc:Choice>
-        <mc:Fallback>
+        <mc:Fallback xmlns="">
           <p:sp>
             <p:nvSpPr>
               <p:cNvPr id="30" name="TextBox 29">
@@ -12193,8 +12268,8 @@
           </p:sp>
         </mc:Fallback>
       </mc:AlternateContent>
-      <mc:AlternateContent xmlns:mc="http://schemas.openxmlformats.org/markup-compatibility/2006">
-        <mc:Choice xmlns:a14="http://schemas.microsoft.com/office/drawing/2010/main" Requires="a14">
+      <mc:AlternateContent xmlns:mc="http://schemas.openxmlformats.org/markup-compatibility/2006" xmlns:a14="http://schemas.microsoft.com/office/drawing/2010/main">
+        <mc:Choice Requires="a14">
           <p:sp>
             <p:nvSpPr>
               <p:cNvPr id="13" name="TextBox 12">
@@ -12318,7 +12393,7 @@
             </p:txBody>
           </p:sp>
         </mc:Choice>
-        <mc:Fallback>
+        <mc:Fallback xmlns="">
           <p:sp>
             <p:nvSpPr>
               <p:cNvPr id="13" name="TextBox 12">
@@ -12363,8 +12438,8 @@
           </p:sp>
         </mc:Fallback>
       </mc:AlternateContent>
-      <mc:AlternateContent xmlns:mc="http://schemas.openxmlformats.org/markup-compatibility/2006">
-        <mc:Choice xmlns:a14="http://schemas.microsoft.com/office/drawing/2010/main" Requires="a14">
+      <mc:AlternateContent xmlns:mc="http://schemas.openxmlformats.org/markup-compatibility/2006" xmlns:a14="http://schemas.microsoft.com/office/drawing/2010/main">
+        <mc:Choice Requires="a14">
           <p:sp>
             <p:nvSpPr>
               <p:cNvPr id="14" name="TextBox 13">
@@ -12511,7 +12586,7 @@
             </p:txBody>
           </p:sp>
         </mc:Choice>
-        <mc:Fallback>
+        <mc:Fallback xmlns="">
           <p:sp>
             <p:nvSpPr>
               <p:cNvPr id="14" name="TextBox 13">
@@ -12613,8 +12688,8 @@
           </a:p>
         </p:txBody>
       </p:sp>
-      <mc:AlternateContent xmlns:mc="http://schemas.openxmlformats.org/markup-compatibility/2006">
-        <mc:Choice xmlns:a14="http://schemas.microsoft.com/office/drawing/2010/main" Requires="a14">
+      <mc:AlternateContent xmlns:mc="http://schemas.openxmlformats.org/markup-compatibility/2006" xmlns:a14="http://schemas.microsoft.com/office/drawing/2010/main">
+        <mc:Choice Requires="a14">
           <p:sp>
             <p:nvSpPr>
               <p:cNvPr id="33" name="TextBox 32">
@@ -12643,6 +12718,7 @@
               </a:bodyPr>
               <a:lstStyle/>
               <a:p>
+                <a:pPr/>
                 <a14:m>
                   <m:oMathPara xmlns:m="http://schemas.openxmlformats.org/officeDocument/2006/math">
                     <m:oMathParaPr>
@@ -12670,7 +12746,7 @@
             </p:txBody>
           </p:sp>
         </mc:Choice>
-        <mc:Fallback>
+        <mc:Fallback xmlns="">
           <p:sp>
             <p:nvSpPr>
               <p:cNvPr id="33" name="TextBox 32">
@@ -12715,8 +12791,8 @@
           </p:sp>
         </mc:Fallback>
       </mc:AlternateContent>
-      <mc:AlternateContent xmlns:mc="http://schemas.openxmlformats.org/markup-compatibility/2006">
-        <mc:Choice xmlns:a14="http://schemas.microsoft.com/office/drawing/2010/main" Requires="a14">
+      <mc:AlternateContent xmlns:mc="http://schemas.openxmlformats.org/markup-compatibility/2006" xmlns:a14="http://schemas.microsoft.com/office/drawing/2010/main">
+        <mc:Choice Requires="a14">
           <p:sp>
             <p:nvSpPr>
               <p:cNvPr id="34" name="TextBox 33">
@@ -12745,6 +12821,7 @@
               </a:bodyPr>
               <a:lstStyle/>
               <a:p>
+                <a:pPr/>
                 <a14:m>
                   <m:oMathPara xmlns:m="http://schemas.openxmlformats.org/officeDocument/2006/math">
                     <m:oMathParaPr>
@@ -12840,7 +12917,7 @@
             </p:txBody>
           </p:sp>
         </mc:Choice>
-        <mc:Fallback>
+        <mc:Fallback xmlns="">
           <p:sp>
             <p:nvSpPr>
               <p:cNvPr id="34" name="TextBox 33">
@@ -12885,8 +12962,8 @@
           </p:sp>
         </mc:Fallback>
       </mc:AlternateContent>
-      <mc:AlternateContent xmlns:mc="http://schemas.openxmlformats.org/markup-compatibility/2006">
-        <mc:Choice xmlns:a14="http://schemas.microsoft.com/office/drawing/2010/main" Requires="a14">
+      <mc:AlternateContent xmlns:mc="http://schemas.openxmlformats.org/markup-compatibility/2006" xmlns:a14="http://schemas.microsoft.com/office/drawing/2010/main">
+        <mc:Choice Requires="a14">
           <p:sp>
             <p:nvSpPr>
               <p:cNvPr id="35" name="TextBox 34">
@@ -12915,6 +12992,7 @@
               </a:bodyPr>
               <a:lstStyle/>
               <a:p>
+                <a:pPr/>
                 <a14:m>
                   <m:oMathPara xmlns:m="http://schemas.openxmlformats.org/officeDocument/2006/math">
                     <m:oMathParaPr>
@@ -13019,7 +13097,7 @@
             </p:txBody>
           </p:sp>
         </mc:Choice>
-        <mc:Fallback>
+        <mc:Fallback xmlns="">
           <p:sp>
             <p:nvSpPr>
               <p:cNvPr id="35" name="TextBox 34">
@@ -13064,8 +13142,8 @@
           </p:sp>
         </mc:Fallback>
       </mc:AlternateContent>
-      <mc:AlternateContent xmlns:mc="http://schemas.openxmlformats.org/markup-compatibility/2006">
-        <mc:Choice xmlns:a14="http://schemas.microsoft.com/office/drawing/2010/main" Requires="a14">
+      <mc:AlternateContent xmlns:mc="http://schemas.openxmlformats.org/markup-compatibility/2006" xmlns:a14="http://schemas.microsoft.com/office/drawing/2010/main">
+        <mc:Choice Requires="a14">
           <p:sp>
             <p:nvSpPr>
               <p:cNvPr id="36" name="TextBox 35">
@@ -13094,6 +13172,7 @@
               </a:bodyPr>
               <a:lstStyle/>
               <a:p>
+                <a:pPr/>
                 <a14:m>
                   <m:oMathPara xmlns:m="http://schemas.openxmlformats.org/officeDocument/2006/math">
                     <m:oMathParaPr>
@@ -13259,7 +13338,7 @@
             </p:txBody>
           </p:sp>
         </mc:Choice>
-        <mc:Fallback>
+        <mc:Fallback xmlns="">
           <p:sp>
             <p:nvSpPr>
               <p:cNvPr id="36" name="TextBox 35">
@@ -13304,8 +13383,8 @@
           </p:sp>
         </mc:Fallback>
       </mc:AlternateContent>
-      <mc:AlternateContent xmlns:mc="http://schemas.openxmlformats.org/markup-compatibility/2006">
-        <mc:Choice xmlns:a14="http://schemas.microsoft.com/office/drawing/2010/main" Requires="a14">
+      <mc:AlternateContent xmlns:mc="http://schemas.openxmlformats.org/markup-compatibility/2006" xmlns:a14="http://schemas.microsoft.com/office/drawing/2010/main">
+        <mc:Choice Requires="a14">
           <p:sp>
             <p:nvSpPr>
               <p:cNvPr id="37" name="TextBox 36">
@@ -13334,6 +13413,7 @@
               </a:bodyPr>
               <a:lstStyle/>
               <a:p>
+                <a:pPr/>
                 <a14:m>
                   <m:oMathPara xmlns:m="http://schemas.openxmlformats.org/officeDocument/2006/math">
                     <m:oMathParaPr>
@@ -13529,7 +13609,7 @@
             </p:txBody>
           </p:sp>
         </mc:Choice>
-        <mc:Fallback>
+        <mc:Fallback xmlns="">
           <p:sp>
             <p:nvSpPr>
               <p:cNvPr id="37" name="TextBox 36">
@@ -14395,8 +14475,8 @@
           </a:p>
         </p:txBody>
       </p:sp>
-      <mc:AlternateContent xmlns:mc="http://schemas.openxmlformats.org/markup-compatibility/2006">
-        <mc:Choice xmlns:a14="http://schemas.microsoft.com/office/drawing/2010/main" Requires="a14">
+      <mc:AlternateContent xmlns:mc="http://schemas.openxmlformats.org/markup-compatibility/2006" xmlns:a14="http://schemas.microsoft.com/office/drawing/2010/main">
+        <mc:Choice Requires="a14">
           <p:sp>
             <p:nvSpPr>
               <p:cNvPr id="7" name="TextBox 6">
@@ -14461,7 +14541,7 @@
             </p:txBody>
           </p:sp>
         </mc:Choice>
-        <mc:Fallback>
+        <mc:Fallback xmlns="">
           <p:sp>
             <p:nvSpPr>
               <p:cNvPr id="7" name="TextBox 6">
@@ -14506,8 +14586,8 @@
           </p:sp>
         </mc:Fallback>
       </mc:AlternateContent>
-      <mc:AlternateContent xmlns:mc="http://schemas.openxmlformats.org/markup-compatibility/2006">
-        <mc:Choice xmlns:a14="http://schemas.microsoft.com/office/drawing/2010/main" Requires="a14">
+      <mc:AlternateContent xmlns:mc="http://schemas.openxmlformats.org/markup-compatibility/2006" xmlns:a14="http://schemas.microsoft.com/office/drawing/2010/main">
+        <mc:Choice Requires="a14">
           <p:sp>
             <p:nvSpPr>
               <p:cNvPr id="22" name="TextBox 21">
@@ -14912,7 +14992,7 @@
             </p:txBody>
           </p:sp>
         </mc:Choice>
-        <mc:Fallback>
+        <mc:Fallback xmlns="">
           <p:sp>
             <p:nvSpPr>
               <p:cNvPr id="22" name="TextBox 21">
@@ -14960,8 +15040,8 @@
           </p:sp>
         </mc:Fallback>
       </mc:AlternateContent>
-      <mc:AlternateContent xmlns:mc="http://schemas.openxmlformats.org/markup-compatibility/2006">
-        <mc:Choice xmlns:a14="http://schemas.microsoft.com/office/drawing/2010/main" Requires="a14">
+      <mc:AlternateContent xmlns:mc="http://schemas.openxmlformats.org/markup-compatibility/2006" xmlns:a14="http://schemas.microsoft.com/office/drawing/2010/main">
+        <mc:Choice Requires="a14">
           <p:sp>
             <p:nvSpPr>
               <p:cNvPr id="30" name="TextBox 29">
@@ -14990,6 +15070,7 @@
               </a:bodyPr>
               <a:lstStyle/>
               <a:p>
+                <a:pPr/>
                 <a14:m>
                   <m:oMathPara xmlns:m="http://schemas.openxmlformats.org/officeDocument/2006/math">
                     <m:oMathParaPr>
@@ -15134,7 +15215,7 @@
             </p:txBody>
           </p:sp>
         </mc:Choice>
-        <mc:Fallback>
+        <mc:Fallback xmlns="">
           <p:sp>
             <p:nvSpPr>
               <p:cNvPr id="30" name="TextBox 29">
@@ -15179,8 +15260,8 @@
           </p:sp>
         </mc:Fallback>
       </mc:AlternateContent>
-      <mc:AlternateContent xmlns:mc="http://schemas.openxmlformats.org/markup-compatibility/2006">
-        <mc:Choice xmlns:a14="http://schemas.microsoft.com/office/drawing/2010/main" Requires="a14">
+      <mc:AlternateContent xmlns:mc="http://schemas.openxmlformats.org/markup-compatibility/2006" xmlns:a14="http://schemas.microsoft.com/office/drawing/2010/main">
+        <mc:Choice Requires="a14">
           <p:sp>
             <p:nvSpPr>
               <p:cNvPr id="14" name="TextBox 13">
@@ -15209,6 +15290,7 @@
               </a:bodyPr>
               <a:lstStyle/>
               <a:p>
+                <a:pPr/>
                 <a14:m>
                   <m:oMathPara xmlns:m="http://schemas.openxmlformats.org/officeDocument/2006/math">
                     <m:oMathParaPr>
@@ -15563,7 +15645,7 @@
             </p:txBody>
           </p:sp>
         </mc:Choice>
-        <mc:Fallback>
+        <mc:Fallback xmlns="">
           <p:sp>
             <p:nvSpPr>
               <p:cNvPr id="14" name="TextBox 13">
@@ -15685,8 +15767,8 @@
             </a:p>
           </p:txBody>
         </p:sp>
-        <mc:AlternateContent xmlns:mc="http://schemas.openxmlformats.org/markup-compatibility/2006">
-          <mc:Choice xmlns:a14="http://schemas.microsoft.com/office/drawing/2010/main" Requires="a14">
+        <mc:AlternateContent xmlns:mc="http://schemas.openxmlformats.org/markup-compatibility/2006" xmlns:a14="http://schemas.microsoft.com/office/drawing/2010/main">
+          <mc:Choice Requires="a14">
             <p:sp>
               <p:nvSpPr>
                 <p:cNvPr id="36" name="TextBox 35">
@@ -15715,6 +15797,7 @@
                 </a:bodyPr>
                 <a:lstStyle/>
                 <a:p>
+                  <a:pPr/>
                   <a14:m>
                     <m:oMathPara xmlns:m="http://schemas.openxmlformats.org/officeDocument/2006/math">
                       <m:oMathParaPr>
@@ -15742,7 +15825,7 @@
               </p:txBody>
             </p:sp>
           </mc:Choice>
-          <mc:Fallback>
+          <mc:Fallback xmlns="">
             <p:sp>
               <p:nvSpPr>
                 <p:cNvPr id="36" name="TextBox 35">
@@ -15787,8 +15870,8 @@
             </p:sp>
           </mc:Fallback>
         </mc:AlternateContent>
-        <mc:AlternateContent xmlns:mc="http://schemas.openxmlformats.org/markup-compatibility/2006">
-          <mc:Choice xmlns:a14="http://schemas.microsoft.com/office/drawing/2010/main" Requires="a14">
+        <mc:AlternateContent xmlns:mc="http://schemas.openxmlformats.org/markup-compatibility/2006" xmlns:a14="http://schemas.microsoft.com/office/drawing/2010/main">
+          <mc:Choice Requires="a14">
             <p:sp>
               <p:nvSpPr>
                 <p:cNvPr id="38" name="TextBox 37">
@@ -15817,6 +15900,7 @@
                 </a:bodyPr>
                 <a:lstStyle/>
                 <a:p>
+                  <a:pPr/>
                   <a14:m>
                     <m:oMathPara xmlns:m="http://schemas.openxmlformats.org/officeDocument/2006/math">
                       <m:oMathParaPr>
@@ -15921,7 +16005,7 @@
               </p:txBody>
             </p:sp>
           </mc:Choice>
-          <mc:Fallback>
+          <mc:Fallback xmlns="">
             <p:sp>
               <p:nvSpPr>
                 <p:cNvPr id="38" name="TextBox 37">
@@ -15966,8 +16050,8 @@
             </p:sp>
           </mc:Fallback>
         </mc:AlternateContent>
-        <mc:AlternateContent xmlns:mc="http://schemas.openxmlformats.org/markup-compatibility/2006">
-          <mc:Choice xmlns:a14="http://schemas.microsoft.com/office/drawing/2010/main" Requires="a14">
+        <mc:AlternateContent xmlns:mc="http://schemas.openxmlformats.org/markup-compatibility/2006" xmlns:a14="http://schemas.microsoft.com/office/drawing/2010/main">
+          <mc:Choice Requires="a14">
             <p:sp>
               <p:nvSpPr>
                 <p:cNvPr id="40" name="TextBox 39">
@@ -15996,6 +16080,7 @@
                 </a:bodyPr>
                 <a:lstStyle/>
                 <a:p>
+                  <a:pPr/>
                   <a14:m>
                     <m:oMathPara xmlns:m="http://schemas.openxmlformats.org/officeDocument/2006/math">
                       <m:oMathParaPr>
@@ -16191,7 +16276,7 @@
               </p:txBody>
             </p:sp>
           </mc:Choice>
-          <mc:Fallback>
+          <mc:Fallback xmlns="">
             <p:sp>
               <p:nvSpPr>
                 <p:cNvPr id="40" name="TextBox 39">
@@ -16401,8 +16486,8 @@
             </a:p>
           </p:txBody>
         </p:sp>
-        <mc:AlternateContent xmlns:mc="http://schemas.openxmlformats.org/markup-compatibility/2006">
-          <mc:Choice xmlns:a14="http://schemas.microsoft.com/office/drawing/2010/main" Requires="a14">
+        <mc:AlternateContent xmlns:mc="http://schemas.openxmlformats.org/markup-compatibility/2006" xmlns:a14="http://schemas.microsoft.com/office/drawing/2010/main">
+          <mc:Choice Requires="a14">
             <p:sp>
               <p:nvSpPr>
                 <p:cNvPr id="37" name="TextBox 36">
@@ -16431,6 +16516,7 @@
                 </a:bodyPr>
                 <a:lstStyle/>
                 <a:p>
+                  <a:pPr/>
                   <a14:m>
                     <m:oMathPara xmlns:m="http://schemas.openxmlformats.org/officeDocument/2006/math">
                       <m:oMathParaPr>
@@ -16526,7 +16612,7 @@
               </p:txBody>
             </p:sp>
           </mc:Choice>
-          <mc:Fallback>
+          <mc:Fallback xmlns="">
             <p:sp>
               <p:nvSpPr>
                 <p:cNvPr id="37" name="TextBox 36">
@@ -16571,8 +16657,8 @@
             </p:sp>
           </mc:Fallback>
         </mc:AlternateContent>
-        <mc:AlternateContent xmlns:mc="http://schemas.openxmlformats.org/markup-compatibility/2006">
-          <mc:Choice xmlns:a14="http://schemas.microsoft.com/office/drawing/2010/main" Requires="a14">
+        <mc:AlternateContent xmlns:mc="http://schemas.openxmlformats.org/markup-compatibility/2006" xmlns:a14="http://schemas.microsoft.com/office/drawing/2010/main">
+          <mc:Choice Requires="a14">
             <p:sp>
               <p:nvSpPr>
                 <p:cNvPr id="39" name="TextBox 38">
@@ -16601,6 +16687,7 @@
                 </a:bodyPr>
                 <a:lstStyle/>
                 <a:p>
+                  <a:pPr/>
                   <a14:m>
                     <m:oMathPara xmlns:m="http://schemas.openxmlformats.org/officeDocument/2006/math">
                       <m:oMathParaPr>
@@ -16766,7 +16853,7 @@
               </p:txBody>
             </p:sp>
           </mc:Choice>
-          <mc:Fallback>
+          <mc:Fallback xmlns="">
             <p:sp>
               <p:nvSpPr>
                 <p:cNvPr id="39" name="TextBox 38">
@@ -16875,8 +16962,8 @@
           </a:p>
         </p:txBody>
       </p:sp>
-      <mc:AlternateContent xmlns:mc="http://schemas.openxmlformats.org/markup-compatibility/2006">
-        <mc:Choice xmlns:a14="http://schemas.microsoft.com/office/drawing/2010/main" Requires="a14">
+      <mc:AlternateContent xmlns:mc="http://schemas.openxmlformats.org/markup-compatibility/2006" xmlns:a14="http://schemas.microsoft.com/office/drawing/2010/main">
+        <mc:Choice Requires="a14">
           <p:sp>
             <p:nvSpPr>
               <p:cNvPr id="3" name="Content Placeholder 2">
@@ -17278,7 +17365,7 @@
             </p:txBody>
           </p:sp>
         </mc:Choice>
-        <mc:Fallback>
+        <mc:Fallback xmlns="">
           <p:sp>
             <p:nvSpPr>
               <p:cNvPr id="3" name="Content Placeholder 2">
@@ -20202,7 +20289,7 @@
   <p:cSld>
     <p:spTree>
       <p:nvGrpSpPr>
-        <p:cNvPr id="1" name=""/>
+        <p:cNvPr id="1" name="Shape 277"/>
         <p:cNvGrpSpPr/>
         <p:nvPr/>
       </p:nvGrpSpPr>
@@ -20216,14 +20303,8 @@
       </p:grpSpPr>
       <p:sp>
         <p:nvSpPr>
-          <p:cNvPr id="5" name="Title 4">
-            <a:extLst>
-              <a:ext uri="{FF2B5EF4-FFF2-40B4-BE49-F238E27FC236}">
-                <a16:creationId xmlns:a16="http://schemas.microsoft.com/office/drawing/2014/main" id="{53B84E58-D828-B64D-8C76-50A3CD962524}"/>
-              </a:ext>
-            </a:extLst>
-          </p:cNvPr>
-          <p:cNvSpPr>
+          <p:cNvPr id="278" name="Google Shape;278;p29"/>
+          <p:cNvSpPr txBox="1">
             <a:spLocks noGrp="1"/>
           </p:cNvSpPr>
           <p:nvPr>
@@ -20235,100 +20316,464 @@
             <a:off x="210312" y="381000"/>
             <a:ext cx="8759952" cy="838200"/>
           </a:xfrm>
+          <a:prstGeom prst="rect">
+            <a:avLst/>
+          </a:prstGeom>
+          <a:noFill/>
+          <a:ln>
+            <a:noFill/>
+          </a:ln>
         </p:spPr>
         <p:txBody>
-          <a:bodyPr/>
+          <a:bodyPr spcFirstLastPara="1" wrap="square" lIns="91425" tIns="45700" rIns="91425" bIns="45700" anchor="t" anchorCtr="0">
+            <a:noAutofit/>
+          </a:bodyPr>
           <a:lstStyle/>
           <a:p>
+            <a:pPr marL="0" lvl="0" indent="0" algn="ctr" rtl="0">
+              <a:spcBef>
+                <a:spcPts val="0"/>
+              </a:spcBef>
+              <a:spcAft>
+                <a:spcPts val="0"/>
+              </a:spcAft>
+              <a:buNone/>
+            </a:pPr>
             <a:r>
               <a:rPr lang="en-US" dirty="0"/>
-              <a:t>Reducing the Complexity of TFC Designs</a:t>
+              <a:t>Other Considerations</a:t>
             </a:r>
+            <a:endParaRPr dirty="0"/>
           </a:p>
         </p:txBody>
       </p:sp>
       <p:sp>
         <p:nvSpPr>
-          <p:cNvPr id="8" name="Content Placeholder 7">
-            <a:extLst>
-              <a:ext uri="{FF2B5EF4-FFF2-40B4-BE49-F238E27FC236}">
-                <a16:creationId xmlns:a16="http://schemas.microsoft.com/office/drawing/2014/main" id="{35CA9AAC-B2D8-1B46-AF1F-B4FE55948ECA}"/>
-              </a:ext>
-            </a:extLst>
-          </p:cNvPr>
-          <p:cNvSpPr>
+          <p:cNvPr id="279" name="Google Shape;279;p29"/>
+          <p:cNvSpPr txBox="1">
             <a:spLocks noGrp="1"/>
           </p:cNvSpPr>
           <p:nvPr>
-            <p:ph idx="1"/>
+            <p:ph type="body" idx="1"/>
           </p:nvPr>
         </p:nvSpPr>
-        <p:spPr/>
+        <p:spPr>
+          <a:xfrm>
+            <a:off x="457200" y="1371599"/>
+            <a:ext cx="8229600" cy="4572001"/>
+          </a:xfrm>
+          <a:prstGeom prst="rect">
+            <a:avLst/>
+          </a:prstGeom>
+          <a:noFill/>
+          <a:ln>
+            <a:noFill/>
+          </a:ln>
+        </p:spPr>
         <p:txBody>
-          <a:bodyPr/>
+          <a:bodyPr spcFirstLastPara="1" wrap="square" lIns="91425" tIns="45700" rIns="91425" bIns="45700" anchor="t" anchorCtr="0">
+            <a:noAutofit/>
+          </a:bodyPr>
           <a:lstStyle/>
           <a:p>
+            <a:pPr marL="342900" lvl="0" indent="-342900" algn="l" rtl="0">
+              <a:spcBef>
+                <a:spcPts val="0"/>
+              </a:spcBef>
+              <a:spcAft>
+                <a:spcPts val="0"/>
+              </a:spcAft>
+              <a:buClr>
+                <a:schemeClr val="dk1"/>
+              </a:buClr>
+              <a:buSzPts val="2400"/>
+              <a:buChar char="•"/>
+            </a:pPr>
             <a:r>
               <a:rPr lang="en-US" sz="2400" dirty="0"/>
-              <a:t>Focus on interaction between high impact factors</a:t>
+              <a:t>Replicas?</a:t>
             </a:r>
           </a:p>
           <a:p>
+            <a:pPr marL="800100" lvl="1" indent="-342900">
+              <a:spcBef>
+                <a:spcPts val="0"/>
+              </a:spcBef>
+              <a:buChar char="•"/>
+            </a:pPr>
             <a:r>
-              <a:rPr lang="en-US" sz="2400" dirty="0"/>
-              <a:t>Strategic selection of the number of levels</a:t>
+              <a:rPr lang="en-US" dirty="0"/>
+              <a:t>Can be used in constructing folds</a:t>
             </a:r>
           </a:p>
           <a:p>
-            <a:pPr lvl="1"/>
+            <a:pPr marL="800100" lvl="1" indent="-342900">
+              <a:spcBef>
+                <a:spcPts val="0"/>
+              </a:spcBef>
+              <a:buChar char="•"/>
+            </a:pPr>
+            <a:r>
+              <a:rPr lang="en-US" dirty="0"/>
+              <a:t>Can quantify effect of stochastics (Analysis of Variance)</a:t>
+            </a:r>
+          </a:p>
+          <a:p>
+            <a:pPr marL="342900" lvl="0" indent="-342900" algn="l" rtl="0">
+              <a:spcBef>
+                <a:spcPts val="0"/>
+              </a:spcBef>
+              <a:spcAft>
+                <a:spcPts val="0"/>
+              </a:spcAft>
+              <a:buClr>
+                <a:schemeClr val="dk1"/>
+              </a:buClr>
+              <a:buSzPts val="2400"/>
+              <a:buChar char="•"/>
+            </a:pPr>
+            <a:r>
+              <a:rPr lang="en-US" sz="2400" dirty="0"/>
+              <a:t>Reducing the complexity of </a:t>
+            </a:r>
+            <a:r>
+              <a:rPr lang="en-US" sz="2400" dirty="0" err="1"/>
+              <a:t>nWD</a:t>
+            </a:r>
+            <a:endParaRPr lang="en-US" sz="2400" dirty="0"/>
+          </a:p>
+          <a:p>
+            <a:pPr marL="800100" lvl="1" indent="-342900">
+              <a:spcBef>
+                <a:spcPts val="0"/>
+              </a:spcBef>
+              <a:buChar char="•"/>
+            </a:pPr>
+            <a:r>
+              <a:rPr lang="en-US" dirty="0"/>
+              <a:t>Focus on interaction between high impact factors</a:t>
+            </a:r>
+            <a:endParaRPr dirty="0"/>
+          </a:p>
+          <a:p>
+            <a:pPr marL="800100" lvl="1" indent="-342900">
+              <a:buChar char="•"/>
+            </a:pPr>
+            <a:r>
+              <a:rPr lang="en-US" dirty="0"/>
+              <a:t>Strategic selection of the number of levels</a:t>
+            </a:r>
+            <a:endParaRPr dirty="0"/>
+          </a:p>
+          <a:p>
+            <a:pPr marL="1200150" lvl="2" indent="-285750">
+              <a:spcBef>
+                <a:spcPts val="400"/>
+              </a:spcBef>
+              <a:buSzPts val="2000"/>
+              <a:buChar char="–"/>
+            </a:pPr>
             <a:r>
               <a:rPr lang="en-US" sz="2000" dirty="0"/>
               <a:t>Only explore more levels for those factors that have large impact</a:t>
             </a:r>
+            <a:endParaRPr dirty="0"/>
           </a:p>
         </p:txBody>
       </p:sp>
       <p:sp>
         <p:nvSpPr>
-          <p:cNvPr id="4" name="Slide Number Placeholder 3">
-            <a:extLst>
-              <a:ext uri="{FF2B5EF4-FFF2-40B4-BE49-F238E27FC236}">
-                <a16:creationId xmlns:a16="http://schemas.microsoft.com/office/drawing/2014/main" id="{7FA152CA-E149-F346-BA39-B7DA0623E9A8}"/>
-              </a:ext>
-            </a:extLst>
-          </p:cNvPr>
-          <p:cNvSpPr>
+          <p:cNvPr id="280" name="Google Shape;280;p29"/>
+          <p:cNvSpPr txBox="1">
             <a:spLocks noGrp="1"/>
           </p:cNvSpPr>
           <p:nvPr>
-            <p:ph type="sldNum" sz="quarter" idx="11"/>
+            <p:ph type="sldNum" idx="12"/>
           </p:nvPr>
         </p:nvSpPr>
-        <p:spPr/>
+        <p:spPr>
+          <a:xfrm>
+            <a:off x="7543801" y="6248400"/>
+            <a:ext cx="533400" cy="365125"/>
+          </a:xfrm>
+          <a:prstGeom prst="rect">
+            <a:avLst/>
+          </a:prstGeom>
+          <a:noFill/>
+          <a:ln>
+            <a:noFill/>
+          </a:ln>
+        </p:spPr>
         <p:txBody>
-          <a:bodyPr/>
-          <a:lstStyle/>
+          <a:bodyPr spcFirstLastPara="1" wrap="square" lIns="91425" tIns="45700" rIns="91425" bIns="45700" anchor="t" anchorCtr="0">
+            <a:noAutofit/>
+          </a:bodyPr>
+          <a:lstStyle>
+            <a:defPPr marR="0" lvl="0" algn="l" rtl="0">
+              <a:lnSpc>
+                <a:spcPct val="100000"/>
+              </a:lnSpc>
+              <a:spcBef>
+                <a:spcPts val="0"/>
+              </a:spcBef>
+              <a:spcAft>
+                <a:spcPts val="0"/>
+              </a:spcAft>
+            </a:defPPr>
+            <a:lvl1pPr marL="0" marR="0" lvl="0" indent="0" algn="l" rtl="0">
+              <a:lnSpc>
+                <a:spcPct val="100000"/>
+              </a:lnSpc>
+              <a:spcBef>
+                <a:spcPts val="0"/>
+              </a:spcBef>
+              <a:spcAft>
+                <a:spcPts val="0"/>
+              </a:spcAft>
+              <a:buClr>
+                <a:srgbClr val="000000"/>
+              </a:buClr>
+              <a:buFont typeface="Arial"/>
+              <a:buNone/>
+              <a:defRPr sz="1800" b="0" i="0" u="none" strike="noStrike" cap="none">
+                <a:solidFill>
+                  <a:schemeClr val="dk1"/>
+                </a:solidFill>
+                <a:latin typeface="Arial"/>
+                <a:ea typeface="Arial"/>
+                <a:cs typeface="Arial"/>
+                <a:sym typeface="Arial"/>
+              </a:defRPr>
+            </a:lvl1pPr>
+            <a:lvl2pPr marL="0" marR="0" lvl="1" indent="0" algn="l" rtl="0">
+              <a:lnSpc>
+                <a:spcPct val="100000"/>
+              </a:lnSpc>
+              <a:spcBef>
+                <a:spcPts val="0"/>
+              </a:spcBef>
+              <a:spcAft>
+                <a:spcPts val="0"/>
+              </a:spcAft>
+              <a:buClr>
+                <a:srgbClr val="000000"/>
+              </a:buClr>
+              <a:buFont typeface="Arial"/>
+              <a:buNone/>
+              <a:defRPr sz="1800" b="0" i="0" u="none" strike="noStrike" cap="none">
+                <a:solidFill>
+                  <a:schemeClr val="dk1"/>
+                </a:solidFill>
+                <a:latin typeface="Arial"/>
+                <a:ea typeface="Arial"/>
+                <a:cs typeface="Arial"/>
+                <a:sym typeface="Arial"/>
+              </a:defRPr>
+            </a:lvl2pPr>
+            <a:lvl3pPr marL="0" marR="0" lvl="2" indent="0" algn="l" rtl="0">
+              <a:lnSpc>
+                <a:spcPct val="100000"/>
+              </a:lnSpc>
+              <a:spcBef>
+                <a:spcPts val="0"/>
+              </a:spcBef>
+              <a:spcAft>
+                <a:spcPts val="0"/>
+              </a:spcAft>
+              <a:buClr>
+                <a:srgbClr val="000000"/>
+              </a:buClr>
+              <a:buFont typeface="Arial"/>
+              <a:buNone/>
+              <a:defRPr sz="1800" b="0" i="0" u="none" strike="noStrike" cap="none">
+                <a:solidFill>
+                  <a:schemeClr val="dk1"/>
+                </a:solidFill>
+                <a:latin typeface="Arial"/>
+                <a:ea typeface="Arial"/>
+                <a:cs typeface="Arial"/>
+                <a:sym typeface="Arial"/>
+              </a:defRPr>
+            </a:lvl3pPr>
+            <a:lvl4pPr marL="0" marR="0" lvl="3" indent="0" algn="l" rtl="0">
+              <a:lnSpc>
+                <a:spcPct val="100000"/>
+              </a:lnSpc>
+              <a:spcBef>
+                <a:spcPts val="0"/>
+              </a:spcBef>
+              <a:spcAft>
+                <a:spcPts val="0"/>
+              </a:spcAft>
+              <a:buClr>
+                <a:srgbClr val="000000"/>
+              </a:buClr>
+              <a:buFont typeface="Arial"/>
+              <a:buNone/>
+              <a:defRPr sz="1800" b="0" i="0" u="none" strike="noStrike" cap="none">
+                <a:solidFill>
+                  <a:schemeClr val="dk1"/>
+                </a:solidFill>
+                <a:latin typeface="Arial"/>
+                <a:ea typeface="Arial"/>
+                <a:cs typeface="Arial"/>
+                <a:sym typeface="Arial"/>
+              </a:defRPr>
+            </a:lvl4pPr>
+            <a:lvl5pPr marL="0" marR="0" lvl="4" indent="0" algn="l" rtl="0">
+              <a:lnSpc>
+                <a:spcPct val="100000"/>
+              </a:lnSpc>
+              <a:spcBef>
+                <a:spcPts val="0"/>
+              </a:spcBef>
+              <a:spcAft>
+                <a:spcPts val="0"/>
+              </a:spcAft>
+              <a:buClr>
+                <a:srgbClr val="000000"/>
+              </a:buClr>
+              <a:buFont typeface="Arial"/>
+              <a:buNone/>
+              <a:defRPr sz="1800" b="0" i="0" u="none" strike="noStrike" cap="none">
+                <a:solidFill>
+                  <a:schemeClr val="dk1"/>
+                </a:solidFill>
+                <a:latin typeface="Arial"/>
+                <a:ea typeface="Arial"/>
+                <a:cs typeface="Arial"/>
+                <a:sym typeface="Arial"/>
+              </a:defRPr>
+            </a:lvl5pPr>
+            <a:lvl6pPr marL="0" marR="0" lvl="5" indent="0" algn="l" rtl="0">
+              <a:lnSpc>
+                <a:spcPct val="100000"/>
+              </a:lnSpc>
+              <a:spcBef>
+                <a:spcPts val="0"/>
+              </a:spcBef>
+              <a:spcAft>
+                <a:spcPts val="0"/>
+              </a:spcAft>
+              <a:buClr>
+                <a:srgbClr val="000000"/>
+              </a:buClr>
+              <a:buFont typeface="Arial"/>
+              <a:buNone/>
+              <a:defRPr sz="1800" b="0" i="0" u="none" strike="noStrike" cap="none">
+                <a:solidFill>
+                  <a:schemeClr val="dk1"/>
+                </a:solidFill>
+                <a:latin typeface="Arial"/>
+                <a:ea typeface="Arial"/>
+                <a:cs typeface="Arial"/>
+                <a:sym typeface="Arial"/>
+              </a:defRPr>
+            </a:lvl6pPr>
+            <a:lvl7pPr marL="0" marR="0" lvl="6" indent="0" algn="l" rtl="0">
+              <a:lnSpc>
+                <a:spcPct val="100000"/>
+              </a:lnSpc>
+              <a:spcBef>
+                <a:spcPts val="0"/>
+              </a:spcBef>
+              <a:spcAft>
+                <a:spcPts val="0"/>
+              </a:spcAft>
+              <a:buClr>
+                <a:srgbClr val="000000"/>
+              </a:buClr>
+              <a:buFont typeface="Arial"/>
+              <a:buNone/>
+              <a:defRPr sz="1800" b="0" i="0" u="none" strike="noStrike" cap="none">
+                <a:solidFill>
+                  <a:schemeClr val="dk1"/>
+                </a:solidFill>
+                <a:latin typeface="Arial"/>
+                <a:ea typeface="Arial"/>
+                <a:cs typeface="Arial"/>
+                <a:sym typeface="Arial"/>
+              </a:defRPr>
+            </a:lvl7pPr>
+            <a:lvl8pPr marL="0" marR="0" lvl="7" indent="0" algn="l" rtl="0">
+              <a:lnSpc>
+                <a:spcPct val="100000"/>
+              </a:lnSpc>
+              <a:spcBef>
+                <a:spcPts val="0"/>
+              </a:spcBef>
+              <a:spcAft>
+                <a:spcPts val="0"/>
+              </a:spcAft>
+              <a:buClr>
+                <a:srgbClr val="000000"/>
+              </a:buClr>
+              <a:buFont typeface="Arial"/>
+              <a:buNone/>
+              <a:defRPr sz="1800" b="0" i="0" u="none" strike="noStrike" cap="none">
+                <a:solidFill>
+                  <a:schemeClr val="dk1"/>
+                </a:solidFill>
+                <a:latin typeface="Arial"/>
+                <a:ea typeface="Arial"/>
+                <a:cs typeface="Arial"/>
+                <a:sym typeface="Arial"/>
+              </a:defRPr>
+            </a:lvl8pPr>
+            <a:lvl9pPr marL="0" marR="0" lvl="8" indent="0" algn="l" rtl="0">
+              <a:lnSpc>
+                <a:spcPct val="100000"/>
+              </a:lnSpc>
+              <a:spcBef>
+                <a:spcPts val="0"/>
+              </a:spcBef>
+              <a:spcAft>
+                <a:spcPts val="0"/>
+              </a:spcAft>
+              <a:buClr>
+                <a:srgbClr val="000000"/>
+              </a:buClr>
+              <a:buFont typeface="Arial"/>
+              <a:buNone/>
+              <a:defRPr sz="1800" b="0" i="0" u="none" strike="noStrike" cap="none">
+                <a:solidFill>
+                  <a:schemeClr val="dk1"/>
+                </a:solidFill>
+                <a:latin typeface="Arial"/>
+                <a:ea typeface="Arial"/>
+                <a:cs typeface="Arial"/>
+                <a:sym typeface="Arial"/>
+              </a:defRPr>
+            </a:lvl9pPr>
+          </a:lstStyle>
           <a:p>
-            <a:pPr>
-              <a:defRPr/>
+            <a:pPr marL="0" lvl="0" indent="0" algn="l" rtl="0">
+              <a:spcBef>
+                <a:spcPts val="0"/>
+              </a:spcBef>
+              <a:spcAft>
+                <a:spcPts val="0"/>
+              </a:spcAft>
+              <a:buNone/>
             </a:pPr>
-            <a:fld id="{3EF4E9CC-9D91-476E-91FD-5BEEC1642931}" type="slidenum">
-              <a:rPr lang="en-US" altLang="x-none" smtClean="0"/>
-              <a:pPr>
-                <a:defRPr/>
+            <a:fld id="{00000000-1234-1234-1234-123412341234}" type="slidenum">
+              <a:rPr lang="en-US" smtClean="0"/>
+              <a:pPr marL="0" lvl="0" indent="0" algn="l" rtl="0">
+                <a:spcBef>
+                  <a:spcPts val="0"/>
+                </a:spcBef>
+                <a:spcAft>
+                  <a:spcPts val="0"/>
+                </a:spcAft>
+                <a:buNone/>
               </a:pPr>
               <a:t>15</a:t>
             </a:fld>
-            <a:endParaRPr lang="en-US" altLang="x-none"/>
+            <a:endParaRPr/>
           </a:p>
         </p:txBody>
       </p:sp>
     </p:spTree>
-    <p:extLst>
-      <p:ext uri="{BB962C8B-B14F-4D97-AF65-F5344CB8AC3E}">
-        <p14:creationId xmlns:p14="http://schemas.microsoft.com/office/powerpoint/2010/main" val="1043727426"/>
-      </p:ext>
-    </p:extLst>
   </p:cSld>
   <p:clrMapOvr>
     <a:masterClrMapping/>
@@ -20499,8 +20944,8 @@
           </a:p>
         </p:txBody>
       </p:sp>
-      <mc:AlternateContent xmlns:mc="http://schemas.openxmlformats.org/markup-compatibility/2006">
-        <mc:Choice xmlns:a14="http://schemas.microsoft.com/office/drawing/2010/main" Requires="a14">
+      <mc:AlternateContent xmlns:mc="http://schemas.openxmlformats.org/markup-compatibility/2006" xmlns:a14="http://schemas.microsoft.com/office/drawing/2010/main">
+        <mc:Choice Requires="a14">
           <p:sp>
             <p:nvSpPr>
               <p:cNvPr id="3" name="Content Placeholder 2">
@@ -21904,7 +22349,7 @@
             </p:txBody>
           </p:sp>
         </mc:Choice>
-        <mc:Fallback>
+        <mc:Fallback xmlns="">
           <p:sp>
             <p:nvSpPr>
               <p:cNvPr id="3" name="Content Placeholder 2">
@@ -32488,8 +32933,8 @@
           </a:p>
         </p:txBody>
       </p:sp>
-      <mc:AlternateContent xmlns:mc="http://schemas.openxmlformats.org/markup-compatibility/2006">
-        <mc:Choice xmlns:a14="http://schemas.microsoft.com/office/drawing/2010/main" Requires="a14">
+      <mc:AlternateContent xmlns:mc="http://schemas.openxmlformats.org/markup-compatibility/2006" xmlns:a14="http://schemas.microsoft.com/office/drawing/2010/main">
+        <mc:Choice Requires="a14">
           <p:sp>
             <p:nvSpPr>
               <p:cNvPr id="17" name="TextBox 16">
@@ -32674,7 +33119,7 @@
             </p:txBody>
           </p:sp>
         </mc:Choice>
-        <mc:Fallback>
+        <mc:Fallback xmlns="">
           <p:sp>
             <p:nvSpPr>
               <p:cNvPr id="17" name="TextBox 16">
@@ -32719,8 +33164,8 @@
           </p:sp>
         </mc:Fallback>
       </mc:AlternateContent>
-      <mc:AlternateContent xmlns:mc="http://schemas.openxmlformats.org/markup-compatibility/2006">
-        <mc:Choice xmlns:a14="http://schemas.microsoft.com/office/drawing/2010/main" Requires="a14">
+      <mc:AlternateContent xmlns:mc="http://schemas.openxmlformats.org/markup-compatibility/2006" xmlns:a14="http://schemas.microsoft.com/office/drawing/2010/main">
+        <mc:Choice Requires="a14">
           <p:sp>
             <p:nvSpPr>
               <p:cNvPr id="18" name="TextBox 17">
@@ -32978,7 +33423,7 @@
             </p:txBody>
           </p:sp>
         </mc:Choice>
-        <mc:Fallback>
+        <mc:Fallback xmlns="">
           <p:sp>
             <p:nvSpPr>
               <p:cNvPr id="18" name="TextBox 17">
@@ -35613,8 +36058,8 @@
           </a:p>
         </p:txBody>
       </p:sp>
-      <mc:AlternateContent xmlns:mc="http://schemas.openxmlformats.org/markup-compatibility/2006">
-        <mc:Choice xmlns:a14="http://schemas.microsoft.com/office/drawing/2010/main" Requires="a14">
+      <mc:AlternateContent xmlns:mc="http://schemas.openxmlformats.org/markup-compatibility/2006" xmlns:a14="http://schemas.microsoft.com/office/drawing/2010/main">
+        <mc:Choice Requires="a14">
           <p:sp>
             <p:nvSpPr>
               <p:cNvPr id="4" name="Content Placeholder 3">
@@ -36670,7 +37115,7 @@
             </p:txBody>
           </p:sp>
         </mc:Choice>
-        <mc:Fallback>
+        <mc:Fallback xmlns="">
           <p:sp>
             <p:nvSpPr>
               <p:cNvPr id="4" name="Content Placeholder 3">
@@ -37954,8 +38399,8 @@
           </a:graphicData>
         </a:graphic>
       </p:graphicFrame>
-      <mc:AlternateContent xmlns:mc="http://schemas.openxmlformats.org/markup-compatibility/2006">
-        <mc:Choice xmlns:a14="http://schemas.microsoft.com/office/drawing/2010/main" Requires="a14">
+      <mc:AlternateContent xmlns:mc="http://schemas.openxmlformats.org/markup-compatibility/2006" xmlns:a14="http://schemas.microsoft.com/office/drawing/2010/main">
+        <mc:Choice Requires="a14">
           <p:graphicFrame>
             <p:nvGraphicFramePr>
               <p:cNvPr id="20" name="Table 8">
@@ -38162,7 +38607,7 @@
             </a:graphic>
           </p:graphicFrame>
         </mc:Choice>
-        <mc:Fallback>
+        <mc:Fallback xmlns="">
           <p:graphicFrame>
             <p:nvGraphicFramePr>
               <p:cNvPr id="20" name="Table 8">
